--- a/Events.pptx
+++ b/Events.pptx
@@ -255,7 +255,7 @@
             <a:fld id="{17832736-9BA6-4A6F-8BC5-9FF75A402A60}" type="datetimeFigureOut">
               <a:rPr lang="en-US" smtClean="0"/>
               <a:pPr/>
-              <a:t>3/11/2014</a:t>
+              <a:t>4/19/2019</a:t>
             </a:fld>
             <a:endParaRPr lang="en-US" dirty="0"/>
           </a:p>
@@ -1126,7 +1126,7 @@
             <a:fld id="{17832736-9BA6-4A6F-8BC5-9FF75A402A60}" type="datetimeFigureOut">
               <a:rPr lang="en-US" smtClean="0"/>
               <a:pPr/>
-              <a:t>3/11/2014</a:t>
+              <a:t>4/19/2019</a:t>
             </a:fld>
             <a:endParaRPr lang="en-US" dirty="0"/>
           </a:p>
@@ -1303,7 +1303,7 @@
             <a:fld id="{17832736-9BA6-4A6F-8BC5-9FF75A402A60}" type="datetimeFigureOut">
               <a:rPr lang="en-US" smtClean="0"/>
               <a:pPr/>
-              <a:t>3/11/2014</a:t>
+              <a:t>4/19/2019</a:t>
             </a:fld>
             <a:endParaRPr lang="en-US" dirty="0"/>
           </a:p>
@@ -1475,7 +1475,7 @@
             <a:fld id="{17832736-9BA6-4A6F-8BC5-9FF75A402A60}" type="datetimeFigureOut">
               <a:rPr lang="en-US" smtClean="0"/>
               <a:pPr/>
-              <a:t>3/11/2014</a:t>
+              <a:t>4/19/2019</a:t>
             </a:fld>
             <a:endParaRPr lang="en-US" dirty="0"/>
           </a:p>
@@ -1687,7 +1687,7 @@
             <a:fld id="{17832736-9BA6-4A6F-8BC5-9FF75A402A60}" type="datetimeFigureOut">
               <a:rPr lang="en-US" smtClean="0"/>
               <a:pPr/>
-              <a:t>3/11/2014</a:t>
+              <a:t>4/19/2019</a:t>
             </a:fld>
             <a:endParaRPr lang="en-US" dirty="0"/>
           </a:p>
@@ -2503,7 +2503,7 @@
             <a:fld id="{17832736-9BA6-4A6F-8BC5-9FF75A402A60}" type="datetimeFigureOut">
               <a:rPr lang="en-US" smtClean="0"/>
               <a:pPr/>
-              <a:t>3/11/2014</a:t>
+              <a:t>4/19/2019</a:t>
             </a:fld>
             <a:endParaRPr lang="en-US" dirty="0"/>
           </a:p>
@@ -2741,7 +2741,7 @@
             <a:fld id="{17832736-9BA6-4A6F-8BC5-9FF75A402A60}" type="datetimeFigureOut">
               <a:rPr lang="en-US" smtClean="0"/>
               <a:pPr/>
-              <a:t>3/11/2014</a:t>
+              <a:t>4/19/2019</a:t>
             </a:fld>
             <a:endParaRPr lang="en-US" dirty="0"/>
           </a:p>
@@ -3066,7 +3066,7 @@
             <a:fld id="{17832736-9BA6-4A6F-8BC5-9FF75A402A60}" type="datetimeFigureOut">
               <a:rPr lang="en-US" smtClean="0"/>
               <a:pPr/>
-              <a:t>3/11/2014</a:t>
+              <a:t>4/19/2019</a:t>
             </a:fld>
             <a:endParaRPr lang="en-US" dirty="0"/>
           </a:p>
@@ -3158,7 +3158,7 @@
             <a:fld id="{17832736-9BA6-4A6F-8BC5-9FF75A402A60}" type="datetimeFigureOut">
               <a:rPr lang="en-US" smtClean="0"/>
               <a:pPr/>
-              <a:t>3/11/2014</a:t>
+              <a:t>4/19/2019</a:t>
             </a:fld>
             <a:endParaRPr lang="en-US" dirty="0"/>
           </a:p>
@@ -3677,7 +3677,7 @@
             <a:fld id="{17832736-9BA6-4A6F-8BC5-9FF75A402A60}" type="datetimeFigureOut">
               <a:rPr lang="en-US" smtClean="0"/>
               <a:pPr/>
-              <a:t>3/11/2014</a:t>
+              <a:t>4/19/2019</a:t>
             </a:fld>
             <a:endParaRPr lang="en-US" dirty="0"/>
           </a:p>
@@ -4190,7 +4190,7 @@
             <a:fld id="{17832736-9BA6-4A6F-8BC5-9FF75A402A60}" type="datetimeFigureOut">
               <a:rPr lang="en-US" smtClean="0"/>
               <a:pPr/>
-              <a:t>3/11/2014</a:t>
+              <a:t>4/19/2019</a:t>
             </a:fld>
             <a:endParaRPr lang="en-US" dirty="0"/>
           </a:p>
@@ -4437,7 +4437,7 @@
             <a:fld id="{17832736-9BA6-4A6F-8BC5-9FF75A402A60}" type="datetimeFigureOut">
               <a:rPr lang="en-US" smtClean="0"/>
               <a:pPr/>
-              <a:t>3/11/2014</a:t>
+              <a:t>4/19/2019</a:t>
             </a:fld>
             <a:endParaRPr lang="en-US" dirty="0"/>
           </a:p>
@@ -5073,48 +5073,6 @@
           </a:p>
         </p:txBody>
       </p:sp>
-      <p:sp>
-        <p:nvSpPr>
-          <p:cNvPr id="3" name="TextBox 2"/>
-          <p:cNvSpPr txBox="1"/>
-          <p:nvPr/>
-        </p:nvSpPr>
-        <p:spPr>
-          <a:xfrm>
-            <a:off x="4953000" y="4800600"/>
-            <a:ext cx="3124200" cy="461665"/>
-          </a:xfrm>
-          <a:prstGeom prst="rect">
-            <a:avLst/>
-          </a:prstGeom>
-          <a:noFill/>
-        </p:spPr>
-        <p:txBody>
-          <a:bodyPr wrap="square" rtlCol="0">
-            <a:spAutoFit/>
-          </a:bodyPr>
-          <a:lstStyle/>
-          <a:p>
-            <a:r>
-              <a:rPr lang="en-US" dirty="0" smtClean="0"/>
-              <a:t>- </a:t>
-            </a:r>
-            <a:r>
-              <a:rPr lang="en-US" sz="2400" dirty="0" err="1" smtClean="0"/>
-              <a:t>Aieshwarya</a:t>
-            </a:r>
-            <a:r>
-              <a:rPr lang="en-US" sz="2400" dirty="0" smtClean="0"/>
-              <a:t> </a:t>
-            </a:r>
-            <a:r>
-              <a:rPr lang="en-US" sz="2400" dirty="0" err="1" smtClean="0"/>
-              <a:t>Shedji</a:t>
-            </a:r>
-            <a:endParaRPr lang="en-US" sz="2400" dirty="0"/>
-          </a:p>
-        </p:txBody>
-      </p:sp>
     </p:spTree>
   </p:cSld>
   <p:clrMapOvr>
@@ -6707,11 +6665,7 @@
           <a:p>
             <a:r>
               <a:rPr lang="en-US" sz="2400" dirty="0" smtClean="0"/>
-              <a:t>		</a:t>
-            </a:r>
-            <a:r>
-              <a:rPr lang="en-US" sz="2400" dirty="0" smtClean="0"/>
-              <a:t>If(</a:t>
+              <a:t>		If(</a:t>
             </a:r>
             <a:r>
               <a:rPr lang="en-US" sz="2400" dirty="0" err="1" smtClean="0"/>
@@ -6719,21 +6673,13 @@
             </a:r>
             <a:r>
               <a:rPr lang="en-US" sz="2400" dirty="0" smtClean="0"/>
-              <a:t>!=</a:t>
-            </a:r>
+              <a:t>!=null)</a:t>
+            </a:r>
+          </a:p>
+          <a:p>
             <a:r>
               <a:rPr lang="en-US" sz="2400" dirty="0" smtClean="0"/>
-              <a:t>null)</a:t>
-            </a:r>
-          </a:p>
-          <a:p>
-            <a:r>
-              <a:rPr lang="en-US" sz="2400" dirty="0" smtClean="0"/>
-              <a:t>			</a:t>
-            </a:r>
-            <a:r>
-              <a:rPr lang="en-US" sz="2400" dirty="0" smtClean="0"/>
-              <a:t> </a:t>
+              <a:t>			 </a:t>
             </a:r>
             <a:r>
               <a:rPr lang="en-US" sz="2400" dirty="0" err="1" smtClean="0"/>
@@ -6743,7 +6689,6 @@
               <a:rPr lang="en-US" sz="2400" dirty="0" smtClean="0"/>
               <a:t>();</a:t>
             </a:r>
-            <a:endParaRPr lang="en-US" sz="2400" dirty="0" smtClean="0"/>
           </a:p>
           <a:p>
             <a:r>
